--- a/Сайт для персонала магазина.pptx
+++ b/Сайт для персонала магазина.pptx
@@ -8,6 +8,7 @@
     <p:sldId id="256" r:id="rId2"/>
     <p:sldId id="257" r:id="rId3"/>
     <p:sldId id="258" r:id="rId4"/>
+    <p:sldId id="259" r:id="rId5"/>
   </p:sldIdLst>
   <p:sldSz cx="12192000" cy="6858000"/>
   <p:notesSz cx="6858000" cy="9144000"/>
@@ -106,6 +107,11 @@
       </a:defRPr>
     </a:lvl9pPr>
   </p:defaultTextStyle>
+  <p:extLst>
+    <p:ext uri="{EFAFB233-063F-42B5-8137-9DF3F51BA10A}">
+      <p15:sldGuideLst xmlns:p15="http://schemas.microsoft.com/office/powerpoint/2012/main"/>
+    </p:ext>
+  </p:extLst>
 </p:presentation>
 </file>
 
@@ -3011,11 +3017,15 @@
           <a:p>
             <a:r>
               <a:rPr lang="ru-RU" dirty="0" smtClean="0"/>
-              <a:t>Разработанный на </a:t>
-            </a:r>
-            <a:r>
-              <a:rPr lang="en-US" dirty="0" smtClean="0"/>
-              <a:t>Flask</a:t>
+              <a:t>Разработан </a:t>
+            </a:r>
+            <a:r>
+              <a:rPr lang="ru-RU" dirty="0" err="1" smtClean="0"/>
+              <a:t>Еремеевым</a:t>
+            </a:r>
+            <a:r>
+              <a:rPr lang="ru-RU" dirty="0" smtClean="0"/>
+              <a:t> Андреем</a:t>
             </a:r>
             <a:endParaRPr lang="ru-RU" dirty="0"/>
           </a:p>
@@ -4011,7 +4021,15 @@
               <a:t>, </a:t>
             </a:r>
             <a:r>
-              <a:rPr lang="ru-RU" sz="2400" dirty="0" smtClean="0">
+              <a:rPr lang="ru-RU" sz="800" dirty="0">
+                <a:solidFill>
+                  <a:schemeClr val="tx1"/>
+                </a:solidFill>
+              </a:rPr>
+              <a:t>(почти)</a:t>
+            </a:r>
+            <a:r>
+              <a:rPr lang="ru-RU" sz="2400" dirty="0">
                 <a:solidFill>
                   <a:schemeClr val="tx1"/>
                 </a:solidFill>
@@ -4034,8 +4052,16 @@
               </a:rPr>
               <a:t>кода</a:t>
             </a:r>
-            <a:r>
-              <a:rPr lang="ru-RU" sz="2400" dirty="0">
+            <a:endParaRPr lang="ru-RU" sz="800" dirty="0" smtClean="0">
+              <a:solidFill>
+                <a:schemeClr val="tx1"/>
+              </a:solidFill>
+            </a:endParaRPr>
+          </a:p>
+          <a:p>
+            <a:pPr algn="ctr"/>
+            <a:r>
+              <a:rPr lang="ru-RU" sz="800" dirty="0" smtClean="0">
                 <a:solidFill>
                   <a:schemeClr val="tx1"/>
                 </a:solidFill>
@@ -4059,7 +4085,7 @@
               <a:t>. </a:t>
             </a:r>
             <a:r>
-              <a:rPr lang="ru-RU" sz="2400" smtClean="0">
+              <a:rPr lang="ru-RU" sz="2400" dirty="0" smtClean="0">
                 <a:solidFill>
                   <a:schemeClr val="tx1"/>
                 </a:solidFill>
@@ -4067,7 +4093,7 @@
               <a:t>п</a:t>
             </a:r>
             <a:r>
-              <a:rPr lang="en-US" sz="2400" smtClean="0">
+              <a:rPr lang="en-US" sz="2400" dirty="0" smtClean="0">
                 <a:solidFill>
                   <a:schemeClr val="tx1"/>
                 </a:solidFill>
@@ -4086,6 +4112,523 @@
     <p:extLst>
       <p:ext uri="{BB962C8B-B14F-4D97-AF65-F5344CB8AC3E}">
         <p14:creationId xmlns:p14="http://schemas.microsoft.com/office/powerpoint/2010/main" val="1085944322"/>
+      </p:ext>
+    </p:extLst>
+  </p:cSld>
+  <p:clrMapOvr>
+    <a:masterClrMapping/>
+  </p:clrMapOvr>
+</p:sld>
+</file>
+
+<file path=ppt/slides/slide4.xml><?xml version="1.0" encoding="utf-8"?>
+<p:sld xmlns:a="http://schemas.openxmlformats.org/drawingml/2006/main" xmlns:r="http://schemas.openxmlformats.org/officeDocument/2006/relationships" xmlns:p="http://schemas.openxmlformats.org/presentationml/2006/main">
+  <p:cSld>
+    <p:spTree>
+      <p:nvGrpSpPr>
+        <p:cNvPr id="1" name=""/>
+        <p:cNvGrpSpPr/>
+        <p:nvPr/>
+      </p:nvGrpSpPr>
+      <p:grpSpPr>
+        <a:xfrm>
+          <a:off x="0" y="0"/>
+          <a:ext cx="0" cy="0"/>
+          <a:chOff x="0" y="0"/>
+          <a:chExt cx="0" cy="0"/>
+        </a:xfrm>
+      </p:grpSpPr>
+      <p:sp>
+        <p:nvSpPr>
+          <p:cNvPr id="4" name="Прямоугольник 3"/>
+          <p:cNvSpPr/>
+          <p:nvPr/>
+        </p:nvSpPr>
+        <p:spPr>
+          <a:xfrm>
+            <a:off x="0" y="0"/>
+            <a:ext cx="12192000" cy="450937"/>
+          </a:xfrm>
+          <a:prstGeom prst="rect">
+            <a:avLst/>
+          </a:prstGeom>
+          <a:solidFill>
+            <a:srgbClr val="ED6223"/>
+          </a:solidFill>
+          <a:ln>
+            <a:noFill/>
+          </a:ln>
+        </p:spPr>
+        <p:style>
+          <a:lnRef idx="2">
+            <a:schemeClr val="accent1">
+              <a:shade val="50000"/>
+            </a:schemeClr>
+          </a:lnRef>
+          <a:fillRef idx="1">
+            <a:schemeClr val="accent1"/>
+          </a:fillRef>
+          <a:effectRef idx="0">
+            <a:schemeClr val="accent1"/>
+          </a:effectRef>
+          <a:fontRef idx="minor">
+            <a:schemeClr val="lt1"/>
+          </a:fontRef>
+        </p:style>
+        <p:txBody>
+          <a:bodyPr rtlCol="0" anchor="ctr"/>
+          <a:lstStyle/>
+          <a:p>
+            <a:pPr algn="ctr"/>
+            <a:endParaRPr lang="ru-RU"/>
+          </a:p>
+        </p:txBody>
+      </p:sp>
+      <p:sp>
+        <p:nvSpPr>
+          <p:cNvPr id="5" name="Прямоугольник 4"/>
+          <p:cNvSpPr/>
+          <p:nvPr/>
+        </p:nvSpPr>
+        <p:spPr>
+          <a:xfrm>
+            <a:off x="0" y="6407063"/>
+            <a:ext cx="12192000" cy="450937"/>
+          </a:xfrm>
+          <a:prstGeom prst="rect">
+            <a:avLst/>
+          </a:prstGeom>
+          <a:solidFill>
+            <a:srgbClr val="ED6223"/>
+          </a:solidFill>
+          <a:ln>
+            <a:noFill/>
+          </a:ln>
+        </p:spPr>
+        <p:style>
+          <a:lnRef idx="2">
+            <a:schemeClr val="accent1">
+              <a:shade val="50000"/>
+            </a:schemeClr>
+          </a:lnRef>
+          <a:fillRef idx="1">
+            <a:schemeClr val="accent1"/>
+          </a:fillRef>
+          <a:effectRef idx="0">
+            <a:schemeClr val="accent1"/>
+          </a:effectRef>
+          <a:fontRef idx="minor">
+            <a:schemeClr val="lt1"/>
+          </a:fontRef>
+        </p:style>
+        <p:txBody>
+          <a:bodyPr rtlCol="0" anchor="ctr"/>
+          <a:lstStyle/>
+          <a:p>
+            <a:pPr algn="ctr"/>
+            <a:endParaRPr lang="ru-RU"/>
+          </a:p>
+        </p:txBody>
+      </p:sp>
+      <p:sp>
+        <p:nvSpPr>
+          <p:cNvPr id="8" name="Скругленный прямоугольник 7"/>
+          <p:cNvSpPr/>
+          <p:nvPr/>
+        </p:nvSpPr>
+        <p:spPr>
+          <a:xfrm>
+            <a:off x="7949514" y="783522"/>
+            <a:ext cx="3239530" cy="833717"/>
+          </a:xfrm>
+          <a:prstGeom prst="roundRect">
+            <a:avLst/>
+          </a:prstGeom>
+          <a:solidFill>
+            <a:schemeClr val="bg1"/>
+          </a:solidFill>
+          <a:ln w="28575">
+            <a:solidFill>
+              <a:srgbClr val="ED6223"/>
+            </a:solidFill>
+          </a:ln>
+        </p:spPr>
+        <p:style>
+          <a:lnRef idx="2">
+            <a:schemeClr val="accent1">
+              <a:shade val="50000"/>
+            </a:schemeClr>
+          </a:lnRef>
+          <a:fillRef idx="1">
+            <a:schemeClr val="accent1"/>
+          </a:fillRef>
+          <a:effectRef idx="0">
+            <a:schemeClr val="accent1"/>
+          </a:effectRef>
+          <a:fontRef idx="minor">
+            <a:schemeClr val="lt1"/>
+          </a:fontRef>
+        </p:style>
+        <p:txBody>
+          <a:bodyPr rtlCol="0" anchor="ctr"/>
+          <a:lstStyle/>
+          <a:p>
+            <a:pPr algn="ctr"/>
+            <a:r>
+              <a:rPr lang="ru-RU" sz="3600" dirty="0" smtClean="0">
+                <a:solidFill>
+                  <a:schemeClr val="tx1"/>
+                </a:solidFill>
+              </a:rPr>
+              <a:t>Итоги проекта</a:t>
+            </a:r>
+            <a:endParaRPr lang="ru-RU" sz="3600" dirty="0">
+              <a:solidFill>
+                <a:schemeClr val="tx1"/>
+              </a:solidFill>
+            </a:endParaRPr>
+          </a:p>
+        </p:txBody>
+      </p:sp>
+      <p:sp>
+        <p:nvSpPr>
+          <p:cNvPr id="9" name="Скругленный прямоугольник 8"/>
+          <p:cNvSpPr/>
+          <p:nvPr/>
+        </p:nvSpPr>
+        <p:spPr>
+          <a:xfrm>
+            <a:off x="7949514" y="2295856"/>
+            <a:ext cx="3239530" cy="2944905"/>
+          </a:xfrm>
+          <a:prstGeom prst="roundRect">
+            <a:avLst/>
+          </a:prstGeom>
+          <a:noFill/>
+          <a:ln w="28575">
+            <a:solidFill>
+              <a:srgbClr val="ED6223"/>
+            </a:solidFill>
+          </a:ln>
+        </p:spPr>
+        <p:style>
+          <a:lnRef idx="2">
+            <a:schemeClr val="accent1">
+              <a:shade val="50000"/>
+            </a:schemeClr>
+          </a:lnRef>
+          <a:fillRef idx="1">
+            <a:schemeClr val="accent1"/>
+          </a:fillRef>
+          <a:effectRef idx="0">
+            <a:schemeClr val="accent1"/>
+          </a:effectRef>
+          <a:fontRef idx="minor">
+            <a:schemeClr val="lt1"/>
+          </a:fontRef>
+        </p:style>
+        <p:txBody>
+          <a:bodyPr rtlCol="0" anchor="ctr"/>
+          <a:lstStyle/>
+          <a:p>
+            <a:pPr algn="ctr"/>
+            <a:r>
+              <a:rPr lang="ru-RU" sz="2000" dirty="0" smtClean="0">
+                <a:solidFill>
+                  <a:schemeClr val="tx1"/>
+                </a:solidFill>
+              </a:rPr>
+              <a:t>В ходе разработке сайта</a:t>
+            </a:r>
+            <a:r>
+              <a:rPr lang="en-US" sz="2000" dirty="0" smtClean="0">
+                <a:solidFill>
+                  <a:schemeClr val="tx1"/>
+                </a:solidFill>
+              </a:rPr>
+              <a:t>,</a:t>
+            </a:r>
+            <a:r>
+              <a:rPr lang="ru-RU" sz="2000" dirty="0" smtClean="0">
+                <a:solidFill>
+                  <a:schemeClr val="tx1"/>
+                </a:solidFill>
+              </a:rPr>
+              <a:t> я получил опыт разработки сайтов на </a:t>
+            </a:r>
+            <a:r>
+              <a:rPr lang="en-US" sz="2000" dirty="0" smtClean="0">
+                <a:solidFill>
+                  <a:schemeClr val="tx1"/>
+                </a:solidFill>
+              </a:rPr>
+              <a:t>Flask</a:t>
+            </a:r>
+            <a:r>
+              <a:rPr lang="ru-RU" sz="2000" dirty="0" smtClean="0">
+                <a:solidFill>
+                  <a:schemeClr val="tx1"/>
+                </a:solidFill>
+              </a:rPr>
+              <a:t> и их дизайна</a:t>
+            </a:r>
+            <a:r>
+              <a:rPr lang="en-US" sz="2800" dirty="0" smtClean="0">
+                <a:solidFill>
+                  <a:schemeClr val="tx1"/>
+                </a:solidFill>
+              </a:rPr>
+              <a:t>.</a:t>
+            </a:r>
+            <a:endParaRPr lang="ru-RU" sz="2800" dirty="0">
+              <a:solidFill>
+                <a:schemeClr val="tx1"/>
+              </a:solidFill>
+            </a:endParaRPr>
+          </a:p>
+        </p:txBody>
+      </p:sp>
+      <p:sp>
+        <p:nvSpPr>
+          <p:cNvPr id="6" name="Скругленный прямоугольник 5"/>
+          <p:cNvSpPr/>
+          <p:nvPr/>
+        </p:nvSpPr>
+        <p:spPr>
+          <a:xfrm>
+            <a:off x="135924" y="776212"/>
+            <a:ext cx="3247768" cy="833717"/>
+          </a:xfrm>
+          <a:prstGeom prst="roundRect">
+            <a:avLst/>
+          </a:prstGeom>
+          <a:solidFill>
+            <a:schemeClr val="bg1"/>
+          </a:solidFill>
+          <a:ln w="28575">
+            <a:solidFill>
+              <a:srgbClr val="ED6223"/>
+            </a:solidFill>
+          </a:ln>
+        </p:spPr>
+        <p:style>
+          <a:lnRef idx="2">
+            <a:schemeClr val="accent1">
+              <a:shade val="50000"/>
+            </a:schemeClr>
+          </a:lnRef>
+          <a:fillRef idx="1">
+            <a:schemeClr val="accent1"/>
+          </a:fillRef>
+          <a:effectRef idx="0">
+            <a:schemeClr val="accent1"/>
+          </a:effectRef>
+          <a:fontRef idx="minor">
+            <a:schemeClr val="lt1"/>
+          </a:fontRef>
+        </p:style>
+        <p:txBody>
+          <a:bodyPr rtlCol="0" anchor="ctr"/>
+          <a:lstStyle/>
+          <a:p>
+            <a:pPr algn="ctr"/>
+            <a:r>
+              <a:rPr lang="ru-RU" sz="2800" dirty="0" smtClean="0">
+                <a:solidFill>
+                  <a:schemeClr val="tx1"/>
+                </a:solidFill>
+              </a:rPr>
+              <a:t>Использованные ресурсы</a:t>
+            </a:r>
+            <a:endParaRPr lang="ru-RU" sz="2800" dirty="0">
+              <a:solidFill>
+                <a:schemeClr val="tx1"/>
+              </a:solidFill>
+            </a:endParaRPr>
+          </a:p>
+        </p:txBody>
+      </p:sp>
+      <p:sp>
+        <p:nvSpPr>
+          <p:cNvPr id="2" name="TextBox 1"/>
+          <p:cNvSpPr txBox="1"/>
+          <p:nvPr/>
+        </p:nvSpPr>
+        <p:spPr>
+          <a:xfrm>
+            <a:off x="135924" y="2203172"/>
+            <a:ext cx="3247768" cy="646331"/>
+          </a:xfrm>
+          <a:prstGeom prst="rect">
+            <a:avLst/>
+          </a:prstGeom>
+          <a:noFill/>
+        </p:spPr>
+        <p:txBody>
+          <a:bodyPr wrap="square" rtlCol="0">
+            <a:spAutoFit/>
+          </a:bodyPr>
+          <a:lstStyle/>
+          <a:p>
+            <a:pPr marL="285750" indent="-285750">
+              <a:buFont typeface="Arial" panose="020B0604020202020204" pitchFamily="34" charset="0"/>
+              <a:buChar char="•"/>
+            </a:pPr>
+            <a:r>
+              <a:rPr lang="en-US" dirty="0" smtClean="0"/>
+              <a:t>Flask</a:t>
+            </a:r>
+          </a:p>
+          <a:p>
+            <a:pPr marL="285750" indent="-285750">
+              <a:buFont typeface="Arial" panose="020B0604020202020204" pitchFamily="34" charset="0"/>
+              <a:buChar char="•"/>
+            </a:pPr>
+            <a:r>
+              <a:rPr lang="en-US" dirty="0" smtClean="0"/>
+              <a:t>MySQL</a:t>
+            </a:r>
+          </a:p>
+        </p:txBody>
+      </p:sp>
+      <p:sp>
+        <p:nvSpPr>
+          <p:cNvPr id="10" name="Скругленный прямоугольник 9"/>
+          <p:cNvSpPr/>
+          <p:nvPr/>
+        </p:nvSpPr>
+        <p:spPr>
+          <a:xfrm>
+            <a:off x="4046838" y="783522"/>
+            <a:ext cx="3239530" cy="833717"/>
+          </a:xfrm>
+          <a:prstGeom prst="roundRect">
+            <a:avLst/>
+          </a:prstGeom>
+          <a:solidFill>
+            <a:schemeClr val="bg1"/>
+          </a:solidFill>
+          <a:ln w="28575">
+            <a:solidFill>
+              <a:srgbClr val="ED6223"/>
+            </a:solidFill>
+          </a:ln>
+        </p:spPr>
+        <p:style>
+          <a:lnRef idx="2">
+            <a:schemeClr val="accent1">
+              <a:shade val="50000"/>
+            </a:schemeClr>
+          </a:lnRef>
+          <a:fillRef idx="1">
+            <a:schemeClr val="accent1"/>
+          </a:fillRef>
+          <a:effectRef idx="0">
+            <a:schemeClr val="accent1"/>
+          </a:effectRef>
+          <a:fontRef idx="minor">
+            <a:schemeClr val="lt1"/>
+          </a:fontRef>
+        </p:style>
+        <p:txBody>
+          <a:bodyPr rtlCol="0" anchor="ctr"/>
+          <a:lstStyle/>
+          <a:p>
+            <a:pPr algn="ctr"/>
+            <a:r>
+              <a:rPr lang="ru-RU" sz="2800" dirty="0" smtClean="0">
+                <a:solidFill>
+                  <a:schemeClr val="tx1"/>
+                </a:solidFill>
+              </a:rPr>
+              <a:t>Развитие проекта</a:t>
+            </a:r>
+            <a:endParaRPr lang="ru-RU" sz="2800" dirty="0">
+              <a:solidFill>
+                <a:schemeClr val="tx1"/>
+              </a:solidFill>
+            </a:endParaRPr>
+          </a:p>
+        </p:txBody>
+      </p:sp>
+      <p:sp>
+        <p:nvSpPr>
+          <p:cNvPr id="11" name="Скругленный прямоугольник 10"/>
+          <p:cNvSpPr/>
+          <p:nvPr/>
+        </p:nvSpPr>
+        <p:spPr>
+          <a:xfrm>
+            <a:off x="4046838" y="2349914"/>
+            <a:ext cx="3239530" cy="2944905"/>
+          </a:xfrm>
+          <a:prstGeom prst="roundRect">
+            <a:avLst/>
+          </a:prstGeom>
+          <a:noFill/>
+          <a:ln w="28575">
+            <a:solidFill>
+              <a:srgbClr val="ED6223"/>
+            </a:solidFill>
+          </a:ln>
+        </p:spPr>
+        <p:style>
+          <a:lnRef idx="2">
+            <a:schemeClr val="accent1">
+              <a:shade val="50000"/>
+            </a:schemeClr>
+          </a:lnRef>
+          <a:fillRef idx="1">
+            <a:schemeClr val="accent1"/>
+          </a:fillRef>
+          <a:effectRef idx="0">
+            <a:schemeClr val="accent1"/>
+          </a:effectRef>
+          <a:fontRef idx="minor">
+            <a:schemeClr val="lt1"/>
+          </a:fontRef>
+        </p:style>
+        <p:txBody>
+          <a:bodyPr rtlCol="0" anchor="ctr"/>
+          <a:lstStyle/>
+          <a:p>
+            <a:pPr algn="ctr"/>
+            <a:r>
+              <a:rPr lang="ru-RU" sz="2000" dirty="0" smtClean="0">
+                <a:solidFill>
+                  <a:schemeClr val="tx1"/>
+                </a:solidFill>
+              </a:rPr>
+              <a:t>Распределение некоторых частей кода по отдельным файлам для удобства</a:t>
+            </a:r>
+            <a:r>
+              <a:rPr lang="en-US" sz="2000" dirty="0" smtClean="0">
+                <a:solidFill>
+                  <a:schemeClr val="tx1"/>
+                </a:solidFill>
+              </a:rPr>
+              <a:t>, </a:t>
+            </a:r>
+            <a:r>
+              <a:rPr lang="ru-RU" sz="2000" dirty="0" smtClean="0">
+                <a:solidFill>
+                  <a:schemeClr val="tx1"/>
+                </a:solidFill>
+              </a:rPr>
+              <a:t>развертывание проекта на сервере для всеобщего доступа</a:t>
+            </a:r>
+            <a:endParaRPr lang="ru-RU" sz="2800" dirty="0">
+              <a:solidFill>
+                <a:schemeClr val="tx1"/>
+              </a:solidFill>
+            </a:endParaRPr>
+          </a:p>
+        </p:txBody>
+      </p:sp>
+    </p:spTree>
+    <p:extLst>
+      <p:ext uri="{BB962C8B-B14F-4D97-AF65-F5344CB8AC3E}">
+        <p14:creationId xmlns:p14="http://schemas.microsoft.com/office/powerpoint/2010/main" val="3122143982"/>
       </p:ext>
     </p:extLst>
   </p:cSld>
